--- a/public/media_assets/2019_5A_Deck_Template_16_9_helvetica.pptx
+++ b/public/media_assets/2019_5A_Deck_Template_16_9_helvetica.pptx
@@ -3027,7 +3027,7 @@
         <p:spPr>
           <a:xfrm>
             <a:off x="1302017" y="10457937"/>
-            <a:ext cx="3928111" cy="533401"/>
+            <a:ext cx="3922590" cy="533401"/>
           </a:xfrm>
           <a:prstGeom prst="rect">
             <a:avLst/>
@@ -3051,6 +3051,10 @@
                 <a:solidFill>
                   <a:srgbClr val="4FE4E7"/>
                 </a:solidFill>
+                <a:latin typeface="Helvetica"/>
+                <a:ea typeface="Helvetica"/>
+                <a:cs typeface="Helvetica"/>
+                <a:sym typeface="Helvetica"/>
               </a:defRPr>
             </a:lvl1pPr>
           </a:lstStyle>
@@ -3071,7 +3075,7 @@
         <p:spPr>
           <a:xfrm>
             <a:off x="1302017" y="10940537"/>
-            <a:ext cx="3078227" cy="533401"/>
+            <a:ext cx="3112072" cy="533401"/>
           </a:xfrm>
           <a:prstGeom prst="rect">
             <a:avLst/>
@@ -3095,6 +3099,10 @@
                 <a:solidFill>
                   <a:srgbClr val="4FE4E7"/>
                 </a:solidFill>
+                <a:latin typeface="Helvetica"/>
+                <a:ea typeface="Helvetica"/>
+                <a:cs typeface="Helvetica"/>
+                <a:sym typeface="Helvetica"/>
               </a:defRPr>
             </a:lvl1pPr>
           </a:lstStyle>
@@ -3431,6 +3439,10 @@
                 <a:solidFill>
                   <a:srgbClr val="FFFFFF"/>
                 </a:solidFill>
+                <a:latin typeface="Helvetica"/>
+                <a:ea typeface="Helvetica"/>
+                <a:cs typeface="Helvetica"/>
+                <a:sym typeface="Helvetica"/>
               </a:defRPr>
             </a:pPr>
             <a:r>
@@ -3443,6 +3455,10 @@
                 <a:solidFill>
                   <a:srgbClr val="FFFFFF"/>
                 </a:solidFill>
+                <a:latin typeface="Helvetica"/>
+                <a:ea typeface="Helvetica"/>
+                <a:cs typeface="Helvetica"/>
+                <a:sym typeface="Helvetica"/>
               </a:defRPr>
             </a:pPr>
           </a:p>
@@ -3452,6 +3468,10 @@
                 <a:solidFill>
                   <a:srgbClr val="FFFFFF"/>
                 </a:solidFill>
+                <a:latin typeface="Helvetica"/>
+                <a:ea typeface="Helvetica"/>
+                <a:cs typeface="Helvetica"/>
+                <a:sym typeface="Helvetica"/>
               </a:defRPr>
             </a:pPr>
             <a:r>
@@ -3464,6 +3484,10 @@
                 <a:solidFill>
                   <a:srgbClr val="FFFFFF"/>
                 </a:solidFill>
+                <a:latin typeface="Helvetica"/>
+                <a:ea typeface="Helvetica"/>
+                <a:cs typeface="Helvetica"/>
+                <a:sym typeface="Helvetica"/>
               </a:defRPr>
             </a:pPr>
           </a:p>
@@ -3478,7 +3502,7 @@
         <p:spPr>
           <a:xfrm>
             <a:off x="1302017" y="12741926"/>
-            <a:ext cx="3078227" cy="533401"/>
+            <a:ext cx="3112072" cy="533401"/>
           </a:xfrm>
           <a:prstGeom prst="rect">
             <a:avLst/>
@@ -3502,6 +3526,10 @@
                 <a:solidFill>
                   <a:srgbClr val="4FE4E7"/>
                 </a:solidFill>
+                <a:latin typeface="Helvetica"/>
+                <a:ea typeface="Helvetica"/>
+                <a:cs typeface="Helvetica"/>
+                <a:sym typeface="Helvetica"/>
               </a:defRPr>
             </a:lvl1pPr>
           </a:lstStyle>
@@ -3658,6 +3686,10 @@
                 <a:solidFill>
                   <a:srgbClr val="4FE4E7"/>
                 </a:solidFill>
+                <a:latin typeface="Helvetica"/>
+                <a:ea typeface="Helvetica"/>
+                <a:cs typeface="Helvetica"/>
+                <a:sym typeface="Helvetica"/>
               </a:defRPr>
             </a:pPr>
             <a:r>
@@ -3673,6 +3705,10 @@
                 <a:solidFill>
                   <a:srgbClr val="4FE4E7"/>
                 </a:solidFill>
+                <a:latin typeface="Helvetica"/>
+                <a:ea typeface="Helvetica"/>
+                <a:cs typeface="Helvetica"/>
+                <a:sym typeface="Helvetica"/>
               </a:defRPr>
             </a:pPr>
             <a:r>
@@ -3904,6 +3940,10 @@
                 <a:solidFill>
                   <a:srgbClr val="797979"/>
                 </a:solidFill>
+                <a:latin typeface="Helvetica"/>
+                <a:ea typeface="Helvetica"/>
+                <a:cs typeface="Helvetica"/>
+                <a:sym typeface="Helvetica"/>
               </a:defRPr>
             </a:lvl1pPr>
           </a:lstStyle>
@@ -3924,7 +3964,7 @@
         <p:spPr>
           <a:xfrm>
             <a:off x="1302017" y="12741926"/>
-            <a:ext cx="3078227" cy="533401"/>
+            <a:ext cx="3112072" cy="533401"/>
           </a:xfrm>
           <a:prstGeom prst="rect">
             <a:avLst/>
@@ -3948,6 +3988,10 @@
                 <a:solidFill>
                   <a:srgbClr val="4FE4E7"/>
                 </a:solidFill>
+                <a:latin typeface="Helvetica"/>
+                <a:ea typeface="Helvetica"/>
+                <a:cs typeface="Helvetica"/>
+                <a:sym typeface="Helvetica"/>
               </a:defRPr>
             </a:lvl1pPr>
           </a:lstStyle>
@@ -4130,6 +4174,10 @@
                 <a:solidFill>
                   <a:srgbClr val="FFFFFF"/>
                 </a:solidFill>
+                <a:latin typeface="Helvetica"/>
+                <a:ea typeface="Helvetica"/>
+                <a:cs typeface="Helvetica"/>
+                <a:sym typeface="Helvetica"/>
               </a:defRPr>
             </a:lvl1pPr>
           </a:lstStyle>
@@ -4179,7 +4227,7 @@
         <p:spPr>
           <a:xfrm>
             <a:off x="1302017" y="12741926"/>
-            <a:ext cx="3078227" cy="533401"/>
+            <a:ext cx="3112072" cy="533401"/>
           </a:xfrm>
           <a:prstGeom prst="rect">
             <a:avLst/>
@@ -4203,6 +4251,10 @@
                 <a:solidFill>
                   <a:srgbClr val="4FE4E7"/>
                 </a:solidFill>
+                <a:latin typeface="Helvetica"/>
+                <a:ea typeface="Helvetica"/>
+                <a:cs typeface="Helvetica"/>
+                <a:sym typeface="Helvetica"/>
               </a:defRPr>
             </a:lvl1pPr>
           </a:lstStyle>
@@ -4340,6 +4392,10 @@
                 <a:solidFill>
                   <a:srgbClr val="797979"/>
                 </a:solidFill>
+                <a:latin typeface="Helvetica"/>
+                <a:ea typeface="Helvetica"/>
+                <a:cs typeface="Helvetica"/>
+                <a:sym typeface="Helvetica"/>
               </a:defRPr>
             </a:pPr>
             <a:r>
@@ -4360,6 +4416,10 @@
                 <a:solidFill>
                   <a:srgbClr val="797979"/>
                 </a:solidFill>
+                <a:latin typeface="Helvetica"/>
+                <a:ea typeface="Helvetica"/>
+                <a:cs typeface="Helvetica"/>
+                <a:sym typeface="Helvetica"/>
               </a:defRPr>
             </a:pPr>
             <a:r>
@@ -4380,6 +4440,10 @@
                 <a:solidFill>
                   <a:srgbClr val="797979"/>
                 </a:solidFill>
+                <a:latin typeface="Helvetica"/>
+                <a:ea typeface="Helvetica"/>
+                <a:cs typeface="Helvetica"/>
+                <a:sym typeface="Helvetica"/>
               </a:defRPr>
             </a:pPr>
             <a:r>
@@ -4400,6 +4464,10 @@
                 <a:solidFill>
                   <a:srgbClr val="797979"/>
                 </a:solidFill>
+                <a:latin typeface="Helvetica"/>
+                <a:ea typeface="Helvetica"/>
+                <a:cs typeface="Helvetica"/>
+                <a:sym typeface="Helvetica"/>
               </a:defRPr>
             </a:pPr>
             <a:r>
@@ -4465,7 +4533,7 @@
         <p:spPr>
           <a:xfrm>
             <a:off x="1302017" y="12741926"/>
-            <a:ext cx="3078227" cy="533401"/>
+            <a:ext cx="3112072" cy="533401"/>
           </a:xfrm>
           <a:prstGeom prst="rect">
             <a:avLst/>
@@ -4489,6 +4557,10 @@
                 <a:solidFill>
                   <a:srgbClr val="4FE4E7"/>
                 </a:solidFill>
+                <a:latin typeface="Helvetica"/>
+                <a:ea typeface="Helvetica"/>
+                <a:cs typeface="Helvetica"/>
+                <a:sym typeface="Helvetica"/>
               </a:defRPr>
             </a:lvl1pPr>
           </a:lstStyle>
@@ -4661,6 +4733,10 @@
                 <a:solidFill>
                   <a:srgbClr val="FFFFFF"/>
                 </a:solidFill>
+                <a:latin typeface="Helvetica"/>
+                <a:ea typeface="Helvetica"/>
+                <a:cs typeface="Helvetica"/>
+                <a:sym typeface="Helvetica"/>
               </a:defRPr>
             </a:pPr>
             <a:r>
@@ -4681,6 +4757,10 @@
                 <a:solidFill>
                   <a:srgbClr val="FFFFFF"/>
                 </a:solidFill>
+                <a:latin typeface="Helvetica"/>
+                <a:ea typeface="Helvetica"/>
+                <a:cs typeface="Helvetica"/>
+                <a:sym typeface="Helvetica"/>
               </a:defRPr>
             </a:pPr>
             <a:r>
@@ -4701,6 +4781,10 @@
                 <a:solidFill>
                   <a:srgbClr val="FFFFFF"/>
                 </a:solidFill>
+                <a:latin typeface="Helvetica"/>
+                <a:ea typeface="Helvetica"/>
+                <a:cs typeface="Helvetica"/>
+                <a:sym typeface="Helvetica"/>
               </a:defRPr>
             </a:pPr>
             <a:r>
@@ -4721,6 +4805,10 @@
                 <a:solidFill>
                   <a:srgbClr val="FFFFFF"/>
                 </a:solidFill>
+                <a:latin typeface="Helvetica"/>
+                <a:ea typeface="Helvetica"/>
+                <a:cs typeface="Helvetica"/>
+                <a:sym typeface="Helvetica"/>
               </a:defRPr>
             </a:pPr>
             <a:r>
@@ -4786,7 +4874,7 @@
         <p:spPr>
           <a:xfrm>
             <a:off x="1302017" y="12741926"/>
-            <a:ext cx="3078227" cy="533401"/>
+            <a:ext cx="3112072" cy="533401"/>
           </a:xfrm>
           <a:prstGeom prst="rect">
             <a:avLst/>
@@ -4810,6 +4898,10 @@
                 <a:solidFill>
                   <a:srgbClr val="4FE4E7"/>
                 </a:solidFill>
+                <a:latin typeface="Helvetica"/>
+                <a:ea typeface="Helvetica"/>
+                <a:cs typeface="Helvetica"/>
+                <a:sym typeface="Helvetica"/>
               </a:defRPr>
             </a:lvl1pPr>
           </a:lstStyle>
@@ -4938,6 +5030,10 @@
                 <a:solidFill>
                   <a:srgbClr val="797979"/>
                 </a:solidFill>
+                <a:latin typeface="Helvetica"/>
+                <a:ea typeface="Helvetica"/>
+                <a:cs typeface="Helvetica"/>
+                <a:sym typeface="Helvetica"/>
               </a:defRPr>
             </a:lvl1pPr>
           </a:lstStyle>
@@ -5036,7 +5132,7 @@
         <p:spPr>
           <a:xfrm>
             <a:off x="1302017" y="12741926"/>
-            <a:ext cx="3078227" cy="533401"/>
+            <a:ext cx="3112072" cy="533401"/>
           </a:xfrm>
           <a:prstGeom prst="rect">
             <a:avLst/>
@@ -5060,6 +5156,10 @@
                 <a:solidFill>
                   <a:srgbClr val="4FE4E7"/>
                 </a:solidFill>
+                <a:latin typeface="Helvetica"/>
+                <a:ea typeface="Helvetica"/>
+                <a:cs typeface="Helvetica"/>
+                <a:sym typeface="Helvetica"/>
               </a:defRPr>
             </a:lvl1pPr>
           </a:lstStyle>
@@ -5302,8 +5402,8 @@
         </p:blipFill>
         <p:spPr>
           <a:xfrm>
-            <a:off x="1348758" y="2116990"/>
-            <a:ext cx="16577279" cy="3961866"/>
+            <a:off x="1349622" y="9200826"/>
+            <a:ext cx="18547137" cy="3086525"/>
           </a:xfrm>
           <a:prstGeom prst="rect">
             <a:avLst/>
@@ -5331,8 +5431,8 @@
         </p:blipFill>
         <p:spPr>
           <a:xfrm>
-            <a:off x="1349622" y="9200826"/>
-            <a:ext cx="18547137" cy="3086525"/>
+            <a:off x="1350647" y="2117442"/>
+            <a:ext cx="16573501" cy="3960963"/>
           </a:xfrm>
           <a:prstGeom prst="rect">
             <a:avLst/>
@@ -5525,6 +5625,10 @@
                 <a:solidFill>
                   <a:srgbClr val="797979"/>
                 </a:solidFill>
+                <a:latin typeface="Helvetica"/>
+                <a:ea typeface="Helvetica"/>
+                <a:cs typeface="Helvetica"/>
+                <a:sym typeface="Helvetica"/>
               </a:defRPr>
             </a:pPr>
             <a:r>
@@ -5540,6 +5644,10 @@
                 <a:solidFill>
                   <a:srgbClr val="797979"/>
                 </a:solidFill>
+                <a:latin typeface="Helvetica"/>
+                <a:ea typeface="Helvetica"/>
+                <a:cs typeface="Helvetica"/>
+                <a:sym typeface="Helvetica"/>
               </a:defRPr>
             </a:pPr>
             <a:r>
@@ -5555,6 +5663,10 @@
                 <a:solidFill>
                   <a:srgbClr val="797979"/>
                 </a:solidFill>
+                <a:latin typeface="Helvetica"/>
+                <a:ea typeface="Helvetica"/>
+                <a:cs typeface="Helvetica"/>
+                <a:sym typeface="Helvetica"/>
               </a:defRPr>
             </a:pPr>
             <a:r>
@@ -5570,6 +5682,10 @@
                 <a:solidFill>
                   <a:srgbClr val="797979"/>
                 </a:solidFill>
+                <a:latin typeface="Helvetica"/>
+                <a:ea typeface="Helvetica"/>
+                <a:cs typeface="Helvetica"/>
+                <a:sym typeface="Helvetica"/>
               </a:defRPr>
             </a:pPr>
             <a:r>
@@ -5585,6 +5701,10 @@
                 <a:solidFill>
                   <a:srgbClr val="797979"/>
                 </a:solidFill>
+                <a:latin typeface="Helvetica"/>
+                <a:ea typeface="Helvetica"/>
+                <a:cs typeface="Helvetica"/>
+                <a:sym typeface="Helvetica"/>
               </a:defRPr>
             </a:pPr>
             <a:r>
@@ -5600,6 +5720,10 @@
                 <a:solidFill>
                   <a:srgbClr val="797979"/>
                 </a:solidFill>
+                <a:latin typeface="Helvetica"/>
+                <a:ea typeface="Helvetica"/>
+                <a:cs typeface="Helvetica"/>
+                <a:sym typeface="Helvetica"/>
               </a:defRPr>
             </a:pPr>
             <a:r>
@@ -5615,6 +5739,10 @@
                 <a:solidFill>
                   <a:srgbClr val="797979"/>
                 </a:solidFill>
+                <a:latin typeface="Helvetica"/>
+                <a:ea typeface="Helvetica"/>
+                <a:cs typeface="Helvetica"/>
+                <a:sym typeface="Helvetica"/>
               </a:defRPr>
             </a:pPr>
             <a:r>
@@ -5630,6 +5758,10 @@
                 <a:solidFill>
                   <a:srgbClr val="797979"/>
                 </a:solidFill>
+                <a:latin typeface="Helvetica"/>
+                <a:ea typeface="Helvetica"/>
+                <a:cs typeface="Helvetica"/>
+                <a:sym typeface="Helvetica"/>
               </a:defRPr>
             </a:pPr>
             <a:r>
@@ -5645,6 +5777,10 @@
                 <a:solidFill>
                   <a:srgbClr val="797979"/>
                 </a:solidFill>
+                <a:latin typeface="Helvetica"/>
+                <a:ea typeface="Helvetica"/>
+                <a:cs typeface="Helvetica"/>
+                <a:sym typeface="Helvetica"/>
               </a:defRPr>
             </a:pPr>
             <a:r>
@@ -5660,6 +5796,10 @@
                 <a:solidFill>
                   <a:srgbClr val="797979"/>
                 </a:solidFill>
+                <a:latin typeface="Helvetica"/>
+                <a:ea typeface="Helvetica"/>
+                <a:cs typeface="Helvetica"/>
+                <a:sym typeface="Helvetica"/>
               </a:defRPr>
             </a:pPr>
             <a:r>
@@ -5675,10 +5815,14 @@
                 <a:solidFill>
                   <a:srgbClr val="797979"/>
                 </a:solidFill>
+                <a:latin typeface="Helvetica"/>
+                <a:ea typeface="Helvetica"/>
+                <a:cs typeface="Helvetica"/>
+                <a:sym typeface="Helvetica"/>
               </a:defRPr>
             </a:pPr>
             <a:r>
-              <a:t>Nanno</a:t>
+              <a:t>ImageSeller</a:t>
             </a:r>
           </a:p>
           <a:p>
@@ -5690,10 +5834,14 @@
                 <a:solidFill>
                   <a:srgbClr val="797979"/>
                 </a:solidFill>
+                <a:latin typeface="Helvetica"/>
+                <a:ea typeface="Helvetica"/>
+                <a:cs typeface="Helvetica"/>
+                <a:sym typeface="Helvetica"/>
               </a:defRPr>
             </a:pPr>
             <a:r>
-              <a:t>Nix Media</a:t>
+              <a:t>Nanno</a:t>
             </a:r>
           </a:p>
         </p:txBody>
@@ -5733,6 +5881,10 @@
                 <a:solidFill>
                   <a:srgbClr val="797979"/>
                 </a:solidFill>
+                <a:latin typeface="Helvetica"/>
+                <a:ea typeface="Helvetica"/>
+                <a:cs typeface="Helvetica"/>
+                <a:sym typeface="Helvetica"/>
               </a:defRPr>
             </a:pPr>
             <a:r>
@@ -5748,6 +5900,10 @@
                 <a:solidFill>
                   <a:srgbClr val="797979"/>
                 </a:solidFill>
+                <a:latin typeface="Helvetica"/>
+                <a:ea typeface="Helvetica"/>
+                <a:cs typeface="Helvetica"/>
+                <a:sym typeface="Helvetica"/>
               </a:defRPr>
             </a:pPr>
             <a:r>
@@ -5763,6 +5919,10 @@
                 <a:solidFill>
                   <a:srgbClr val="797979"/>
                 </a:solidFill>
+                <a:latin typeface="Helvetica"/>
+                <a:ea typeface="Helvetica"/>
+                <a:cs typeface="Helvetica"/>
+                <a:sym typeface="Helvetica"/>
               </a:defRPr>
             </a:pPr>
             <a:r>
@@ -5778,6 +5938,10 @@
                 <a:solidFill>
                   <a:srgbClr val="797979"/>
                 </a:solidFill>
+                <a:latin typeface="Helvetica"/>
+                <a:ea typeface="Helvetica"/>
+                <a:cs typeface="Helvetica"/>
+                <a:sym typeface="Helvetica"/>
               </a:defRPr>
             </a:pPr>
             <a:r>
@@ -5793,6 +5957,10 @@
                 <a:solidFill>
                   <a:srgbClr val="797979"/>
                 </a:solidFill>
+                <a:latin typeface="Helvetica"/>
+                <a:ea typeface="Helvetica"/>
+                <a:cs typeface="Helvetica"/>
+                <a:sym typeface="Helvetica"/>
               </a:defRPr>
             </a:pPr>
             <a:r>
@@ -5808,6 +5976,10 @@
                 <a:solidFill>
                   <a:srgbClr val="797979"/>
                 </a:solidFill>
+                <a:latin typeface="Helvetica"/>
+                <a:ea typeface="Helvetica"/>
+                <a:cs typeface="Helvetica"/>
+                <a:sym typeface="Helvetica"/>
               </a:defRPr>
             </a:pPr>
             <a:r>
@@ -5823,6 +5995,10 @@
                 <a:solidFill>
                   <a:srgbClr val="797979"/>
                 </a:solidFill>
+                <a:latin typeface="Helvetica"/>
+                <a:ea typeface="Helvetica"/>
+                <a:cs typeface="Helvetica"/>
+                <a:sym typeface="Helvetica"/>
               </a:defRPr>
             </a:pPr>
             <a:r>
@@ -5838,6 +6014,10 @@
                 <a:solidFill>
                   <a:srgbClr val="797979"/>
                 </a:solidFill>
+                <a:latin typeface="Helvetica"/>
+                <a:ea typeface="Helvetica"/>
+                <a:cs typeface="Helvetica"/>
+                <a:sym typeface="Helvetica"/>
               </a:defRPr>
             </a:pPr>
             <a:r>
@@ -5853,6 +6033,10 @@
                 <a:solidFill>
                   <a:srgbClr val="797979"/>
                 </a:solidFill>
+                <a:latin typeface="Helvetica"/>
+                <a:ea typeface="Helvetica"/>
+                <a:cs typeface="Helvetica"/>
+                <a:sym typeface="Helvetica"/>
               </a:defRPr>
             </a:pPr>
             <a:r>
@@ -5868,6 +6052,10 @@
                 <a:solidFill>
                   <a:srgbClr val="797979"/>
                 </a:solidFill>
+                <a:latin typeface="Helvetica"/>
+                <a:ea typeface="Helvetica"/>
+                <a:cs typeface="Helvetica"/>
+                <a:sym typeface="Helvetica"/>
               </a:defRPr>
             </a:pPr>
             <a:r>
@@ -5883,6 +6071,10 @@
                 <a:solidFill>
                   <a:srgbClr val="797979"/>
                 </a:solidFill>
+                <a:latin typeface="Helvetica"/>
+                <a:ea typeface="Helvetica"/>
+                <a:cs typeface="Helvetica"/>
+                <a:sym typeface="Helvetica"/>
               </a:defRPr>
             </a:pPr>
             <a:r>
@@ -5898,6 +6090,10 @@
                 <a:solidFill>
                   <a:srgbClr val="797979"/>
                 </a:solidFill>
+                <a:latin typeface="Helvetica"/>
+                <a:ea typeface="Helvetica"/>
+                <a:cs typeface="Helvetica"/>
+                <a:sym typeface="Helvetica"/>
               </a:defRPr>
             </a:pPr>
             <a:r>
@@ -6081,7 +6277,7 @@
       </p:pic>
       <p:sp>
         <p:nvSpPr>
-          <p:cNvPr id="186" name="Officescapes…"/>
+          <p:cNvPr id="186" name="Nix Media…"/>
           <p:cNvSpPr txBox="1"/>
           <p:nvPr/>
         </p:nvSpPr>
@@ -6114,10 +6310,14 @@
                 <a:solidFill>
                   <a:srgbClr val="797979"/>
                 </a:solidFill>
+                <a:latin typeface="Helvetica"/>
+                <a:ea typeface="Helvetica"/>
+                <a:cs typeface="Helvetica"/>
+                <a:sym typeface="Helvetica"/>
               </a:defRPr>
             </a:pPr>
             <a:r>
-              <a:t>Officescapes</a:t>
+              <a:t>Nix Media</a:t>
             </a:r>
           </a:p>
           <a:p>
@@ -6129,10 +6329,14 @@
                 <a:solidFill>
                   <a:srgbClr val="797979"/>
                 </a:solidFill>
+                <a:latin typeface="Helvetica"/>
+                <a:ea typeface="Helvetica"/>
+                <a:cs typeface="Helvetica"/>
+                <a:sym typeface="Helvetica"/>
               </a:defRPr>
             </a:pPr>
             <a:r>
-              <a:t>Procare</a:t>
+              <a:t>Officescapes</a:t>
             </a:r>
           </a:p>
           <a:p>
@@ -6144,10 +6348,14 @@
                 <a:solidFill>
                   <a:srgbClr val="797979"/>
                 </a:solidFill>
+                <a:latin typeface="Helvetica"/>
+                <a:ea typeface="Helvetica"/>
+                <a:cs typeface="Helvetica"/>
+                <a:sym typeface="Helvetica"/>
               </a:defRPr>
             </a:pPr>
             <a:r>
-              <a:t>Quizlet Ridg</a:t>
+              <a:t>Procare</a:t>
             </a:r>
           </a:p>
           <a:p>
@@ -6159,10 +6367,14 @@
                 <a:solidFill>
                   <a:srgbClr val="797979"/>
                 </a:solidFill>
+                <a:latin typeface="Helvetica"/>
+                <a:ea typeface="Helvetica"/>
+                <a:cs typeface="Helvetica"/>
+                <a:sym typeface="Helvetica"/>
               </a:defRPr>
             </a:pPr>
             <a:r>
-              <a:t>Segment</a:t>
+              <a:t>Quizlet Ridg</a:t>
             </a:r>
           </a:p>
           <a:p>
@@ -6174,10 +6386,14 @@
                 <a:solidFill>
                   <a:srgbClr val="797979"/>
                 </a:solidFill>
+                <a:latin typeface="Helvetica"/>
+                <a:ea typeface="Helvetica"/>
+                <a:cs typeface="Helvetica"/>
+                <a:sym typeface="Helvetica"/>
               </a:defRPr>
             </a:pPr>
             <a:r>
-              <a:t>SimpleBooth</a:t>
+              <a:t>Segment</a:t>
             </a:r>
           </a:p>
           <a:p>
@@ -6189,10 +6405,14 @@
                 <a:solidFill>
                   <a:srgbClr val="797979"/>
                 </a:solidFill>
+                <a:latin typeface="Helvetica"/>
+                <a:ea typeface="Helvetica"/>
+                <a:cs typeface="Helvetica"/>
+                <a:sym typeface="Helvetica"/>
               </a:defRPr>
             </a:pPr>
             <a:r>
-              <a:t>Slalom</a:t>
+              <a:t>SimpleBooth</a:t>
             </a:r>
           </a:p>
           <a:p>
@@ -6204,10 +6424,14 @@
                 <a:solidFill>
                   <a:srgbClr val="797979"/>
                 </a:solidFill>
+                <a:latin typeface="Helvetica"/>
+                <a:ea typeface="Helvetica"/>
+                <a:cs typeface="Helvetica"/>
+                <a:sym typeface="Helvetica"/>
               </a:defRPr>
             </a:pPr>
             <a:r>
-              <a:t>Tendril / Uplight</a:t>
+              <a:t>Slalom</a:t>
             </a:r>
           </a:p>
           <a:p>
@@ -6219,10 +6443,14 @@
                 <a:solidFill>
                   <a:srgbClr val="797979"/>
                 </a:solidFill>
+                <a:latin typeface="Helvetica"/>
+                <a:ea typeface="Helvetica"/>
+                <a:cs typeface="Helvetica"/>
+                <a:sym typeface="Helvetica"/>
               </a:defRPr>
             </a:pPr>
             <a:r>
-              <a:t>Test Double</a:t>
+              <a:t>Tendril / Uplight</a:t>
             </a:r>
           </a:p>
           <a:p>
@@ -6234,6 +6462,29 @@
                 <a:solidFill>
                   <a:srgbClr val="797979"/>
                 </a:solidFill>
+                <a:latin typeface="Helvetica"/>
+                <a:ea typeface="Helvetica"/>
+                <a:cs typeface="Helvetica"/>
+                <a:sym typeface="Helvetica"/>
+              </a:defRPr>
+            </a:pPr>
+            <a:r>
+              <a:t>Test Double</a:t>
+            </a:r>
+          </a:p>
+          <a:p>
+            <a:pPr algn="l" defTabSz="587022">
+              <a:lnSpc>
+                <a:spcPct val="130000"/>
+              </a:lnSpc>
+              <a:defRPr spc="-42" sz="2100">
+                <a:solidFill>
+                  <a:srgbClr val="797979"/>
+                </a:solidFill>
+                <a:latin typeface="Helvetica"/>
+                <a:ea typeface="Helvetica"/>
+                <a:cs typeface="Helvetica"/>
+                <a:sym typeface="Helvetica"/>
               </a:defRPr>
             </a:pPr>
             <a:r>
